--- a/reflectie.pptx
+++ b/reflectie.pptx
@@ -8,8 +8,7 @@
     <p:sldId id="256" r:id="rId2"/>
     <p:sldId id="257" r:id="rId3"/>
     <p:sldId id="258" r:id="rId4"/>
-    <p:sldId id="260" r:id="rId5"/>
-    <p:sldId id="259" r:id="rId6"/>
+    <p:sldId id="259" r:id="rId5"/>
   </p:sldIdLst>
   <p:sldSz cx="12192000" cy="6858000"/>
   <p:notesSz cx="6858000" cy="9144000"/>
@@ -108,6 +107,11 @@
       </a:defRPr>
     </a:lvl9pPr>
   </p:defaultTextStyle>
+  <p:extLst>
+    <p:ext uri="{EFAFB233-063F-42B5-8137-9DF3F51BA10A}">
+      <p15:sldGuideLst xmlns:p15="http://schemas.microsoft.com/office/powerpoint/2012/main"/>
+    </p:ext>
+  </p:extLst>
 </p:presentation>
 </file>
 
@@ -298,7 +302,7 @@
             <a:fld id="{5923F103-BC34-4FE4-A40E-EDDEECFDA5D0}" type="datetimeFigureOut">
               <a:rPr lang="en-US" smtClean="0"/>
               <a:pPr/>
-              <a:t>3/19/2018</a:t>
+              <a:t>20-Mar-18</a:t>
             </a:fld>
             <a:endParaRPr lang="en-US" dirty="0"/>
           </a:p>
@@ -579,7 +583,7 @@
           <a:p>
             <a:fld id="{2BE451C3-0FF4-47C4-B829-773ADF60F88C}" type="datetimeFigureOut">
               <a:rPr lang="en-US" smtClean="0"/>
-              <a:t>3/19/2018</a:t>
+              <a:t>20-Mar-18</a:t>
             </a:fld>
             <a:endParaRPr lang="en-US" dirty="0"/>
           </a:p>
@@ -780,7 +784,7 @@
           <a:p>
             <a:fld id="{2BE451C3-0FF4-47C4-B829-773ADF60F88C}" type="datetimeFigureOut">
               <a:rPr lang="en-US" smtClean="0"/>
-              <a:t>3/19/2018</a:t>
+              <a:t>20-Mar-18</a:t>
             </a:fld>
             <a:endParaRPr lang="en-US" dirty="0"/>
           </a:p>
@@ -1060,7 +1064,7 @@
           <a:p>
             <a:fld id="{2BE451C3-0FF4-47C4-B829-773ADF60F88C}" type="datetimeFigureOut">
               <a:rPr lang="en-US" smtClean="0"/>
-              <a:t>3/19/2018</a:t>
+              <a:t>20-Mar-18</a:t>
             </a:fld>
             <a:endParaRPr lang="en-US" dirty="0"/>
           </a:p>
@@ -1408,7 +1412,7 @@
           <a:p>
             <a:fld id="{2BE451C3-0FF4-47C4-B829-773ADF60F88C}" type="datetimeFigureOut">
               <a:rPr lang="en-US" smtClean="0"/>
-              <a:t>3/19/2018</a:t>
+              <a:t>20-Mar-18</a:t>
             </a:fld>
             <a:endParaRPr lang="en-US" dirty="0"/>
           </a:p>
@@ -2038,7 +2042,7 @@
           <a:p>
             <a:fld id="{2BE451C3-0FF4-47C4-B829-773ADF60F88C}" type="datetimeFigureOut">
               <a:rPr lang="en-US" smtClean="0"/>
-              <a:t>3/19/2018</a:t>
+              <a:t>20-Mar-18</a:t>
             </a:fld>
             <a:endParaRPr lang="en-US" dirty="0"/>
           </a:p>
@@ -2905,7 +2909,7 @@
           <a:p>
             <a:fld id="{2BE451C3-0FF4-47C4-B829-773ADF60F88C}" type="datetimeFigureOut">
               <a:rPr lang="en-US" smtClean="0"/>
-              <a:t>3/19/2018</a:t>
+              <a:t>20-Mar-18</a:t>
             </a:fld>
             <a:endParaRPr lang="en-US" dirty="0"/>
           </a:p>
@@ -3082,7 +3086,7 @@
           <a:p>
             <a:fld id="{53086D93-FCAC-47E0-A2EE-787E62CA814C}" type="datetimeFigureOut">
               <a:rPr lang="en-US" smtClean="0"/>
-              <a:t>3/19/2018</a:t>
+              <a:t>20-Mar-18</a:t>
             </a:fld>
             <a:endParaRPr lang="en-US" dirty="0"/>
           </a:p>
@@ -3268,7 +3272,7 @@
           <a:p>
             <a:fld id="{CDA879A6-0FD0-4734-A311-86BFCA472E6E}" type="datetimeFigureOut">
               <a:rPr lang="en-US" smtClean="0"/>
-              <a:t>3/19/2018</a:t>
+              <a:t>20-Mar-18</a:t>
             </a:fld>
             <a:endParaRPr lang="en-US" dirty="0"/>
           </a:p>
@@ -3444,7 +3448,7 @@
           <a:p>
             <a:fld id="{19C9CA7B-DFD4-44B5-8C60-D14B8CD1FB59}" type="datetimeFigureOut">
               <a:rPr lang="en-US" smtClean="0"/>
-              <a:t>3/19/2018</a:t>
+              <a:t>20-Mar-18</a:t>
             </a:fld>
             <a:endParaRPr lang="en-US" dirty="0"/>
           </a:p>
@@ -3697,7 +3701,7 @@
           <a:p>
             <a:fld id="{F34E6425-0181-43F2-84FC-787E803FD2F8}" type="datetimeFigureOut">
               <a:rPr lang="en-US" smtClean="0"/>
-              <a:t>3/19/2018</a:t>
+              <a:t>20-Mar-18</a:t>
             </a:fld>
             <a:endParaRPr lang="en-US" dirty="0"/>
           </a:p>
@@ -3995,7 +3999,7 @@
           <a:p>
             <a:fld id="{3BDB8791-F1B0-41E7-B7FD-A781E65C4266}" type="datetimeFigureOut">
               <a:rPr lang="en-US" smtClean="0"/>
-              <a:t>3/19/2018</a:t>
+              <a:t>20-Mar-18</a:t>
             </a:fld>
             <a:endParaRPr lang="en-US" dirty="0"/>
           </a:p>
@@ -4445,7 +4449,7 @@
           <a:p>
             <a:fld id="{5FDD63B2-E120-4ED8-B27B-C685F510A5FE}" type="datetimeFigureOut">
               <a:rPr lang="en-US" smtClean="0"/>
-              <a:t>3/19/2018</a:t>
+              <a:t>20-Mar-18</a:t>
             </a:fld>
             <a:endParaRPr lang="en-US" dirty="0"/>
           </a:p>
@@ -4569,7 +4573,7 @@
           <a:p>
             <a:fld id="{7AA18ACC-A947-437B-A130-35BD54FDF1E9}" type="datetimeFigureOut">
               <a:rPr lang="en-US" smtClean="0"/>
-              <a:t>3/19/2018</a:t>
+              <a:t>20-Mar-18</a:t>
             </a:fld>
             <a:endParaRPr lang="en-US" dirty="0"/>
           </a:p>
@@ -4670,7 +4674,7 @@
           <a:p>
             <a:fld id="{7C8D7E02-BCB8-4D50-A234-369438C08659}" type="datetimeFigureOut">
               <a:rPr lang="en-US" smtClean="0"/>
-              <a:t>3/19/2018</a:t>
+              <a:t>20-Mar-18</a:t>
             </a:fld>
             <a:endParaRPr lang="en-US" dirty="0"/>
           </a:p>
@@ -4955,7 +4959,7 @@
           <a:p>
             <a:fld id="{76E86A4C-8E40-4F87-A4F0-01A0687C5742}" type="datetimeFigureOut">
               <a:rPr lang="en-US" smtClean="0"/>
-              <a:t>3/19/2018</a:t>
+              <a:t>20-Mar-18</a:t>
             </a:fld>
             <a:endParaRPr lang="en-US" dirty="0"/>
           </a:p>
@@ -5236,7 +5240,7 @@
           <a:p>
             <a:fld id="{35E72C73-2D91-4E12-BA25-F0AA0C03599B}" type="datetimeFigureOut">
               <a:rPr lang="en-US" smtClean="0"/>
-              <a:t>3/19/2018</a:t>
+              <a:t>20-Mar-18</a:t>
             </a:fld>
             <a:endParaRPr lang="en-US" dirty="0"/>
           </a:p>
@@ -5671,7 +5675,7 @@
           <a:p>
             <a:fld id="{2BE451C3-0FF4-47C4-B829-773ADF60F88C}" type="datetimeFigureOut">
               <a:rPr lang="en-US" smtClean="0"/>
-              <a:t>3/19/2018</a:t>
+              <a:t>20-Mar-18</a:t>
             </a:fld>
             <a:endParaRPr lang="en-US" dirty="0"/>
           </a:p>
@@ -6229,7 +6233,7 @@
           <a:p>
             <a:r>
               <a:rPr lang="nl-NL" dirty="0"/>
-              <a:t>reflectie</a:t>
+              <a:t>Reflectie</a:t>
             </a:r>
           </a:p>
         </p:txBody>
@@ -6338,7 +6342,28 @@
           <a:bodyPr/>
           <a:lstStyle/>
           <a:p>
-            <a:endParaRPr lang="nl-NL"/>
+            <a:r>
+              <a:rPr lang="nl-NL" dirty="0"/>
+              <a:t>Programming</a:t>
+            </a:r>
+          </a:p>
+          <a:p>
+            <a:r>
+              <a:rPr lang="nl-NL" dirty="0"/>
+              <a:t>Realisatie van de gewenste stijl</a:t>
+            </a:r>
+          </a:p>
+          <a:p>
+            <a:r>
+              <a:rPr lang="nl-NL" dirty="0"/>
+              <a:t>Deadlines gehaald</a:t>
+            </a:r>
+          </a:p>
+          <a:p>
+            <a:endParaRPr lang="nl-NL" dirty="0"/>
+          </a:p>
+          <a:p>
+            <a:endParaRPr lang="nl-NL" dirty="0"/>
           </a:p>
         </p:txBody>
       </p:sp>
@@ -6421,7 +6446,39 @@
           <a:bodyPr/>
           <a:lstStyle/>
           <a:p>
-            <a:endParaRPr lang="nl-NL"/>
+            <a:r>
+              <a:rPr lang="nl-NL" dirty="0"/>
+              <a:t>Communicatie:</a:t>
+            </a:r>
+          </a:p>
+          <a:p>
+            <a:pPr lvl="1">
+              <a:buFont typeface="Arial" panose="020B0604020202020204" pitchFamily="34" charset="0"/>
+              <a:buChar char="•"/>
+            </a:pPr>
+            <a:r>
+              <a:rPr lang="nl-NL" dirty="0"/>
+              <a:t>Afspraken over mappenstructuur</a:t>
+            </a:r>
+          </a:p>
+          <a:p>
+            <a:pPr lvl="1">
+              <a:buFont typeface="Arial" panose="020B0604020202020204" pitchFamily="34" charset="0"/>
+              <a:buChar char="•"/>
+            </a:pPr>
+            <a:r>
+              <a:rPr lang="nl-NL" dirty="0"/>
+              <a:t>Benaming van objecten</a:t>
+            </a:r>
+          </a:p>
+          <a:p>
+            <a:pPr marL="0" indent="0">
+              <a:buNone/>
+            </a:pPr>
+            <a:endParaRPr lang="nl-NL" dirty="0"/>
+          </a:p>
+          <a:p>
+            <a:endParaRPr lang="nl-NL" dirty="0"/>
           </a:p>
         </p:txBody>
       </p:sp>
@@ -6460,89 +6517,6 @@
           <p:cNvPr id="2" name="Titel 1">
             <a:extLst>
               <a:ext uri="{FF2B5EF4-FFF2-40B4-BE49-F238E27FC236}">
-                <a16:creationId xmlns:a16="http://schemas.microsoft.com/office/drawing/2014/main" id="{EE2F6D6E-6FB8-4055-ACA2-9F14045E0A7A}"/>
-              </a:ext>
-            </a:extLst>
-          </p:cNvPr>
-          <p:cNvSpPr>
-            <a:spLocks noGrp="1"/>
-          </p:cNvSpPr>
-          <p:nvPr>
-            <p:ph type="title"/>
-          </p:nvPr>
-        </p:nvSpPr>
-        <p:spPr/>
-        <p:txBody>
-          <a:bodyPr/>
-          <a:lstStyle/>
-          <a:p>
-            <a:r>
-              <a:rPr lang="nl-NL" dirty="0"/>
-              <a:t>Prototype </a:t>
-            </a:r>
-          </a:p>
-        </p:txBody>
-      </p:sp>
-      <p:sp>
-        <p:nvSpPr>
-          <p:cNvPr id="3" name="Tijdelijke aanduiding voor inhoud 2">
-            <a:extLst>
-              <a:ext uri="{FF2B5EF4-FFF2-40B4-BE49-F238E27FC236}">
-                <a16:creationId xmlns:a16="http://schemas.microsoft.com/office/drawing/2014/main" id="{800E31C6-9A86-420D-ABB0-3379CAFE3430}"/>
-              </a:ext>
-            </a:extLst>
-          </p:cNvPr>
-          <p:cNvSpPr>
-            <a:spLocks noGrp="1"/>
-          </p:cNvSpPr>
-          <p:nvPr>
-            <p:ph idx="1"/>
-          </p:nvPr>
-        </p:nvSpPr>
-        <p:spPr/>
-        <p:txBody>
-          <a:bodyPr/>
-          <a:lstStyle/>
-          <a:p>
-            <a:endParaRPr lang="nl-NL" dirty="0"/>
-          </a:p>
-        </p:txBody>
-      </p:sp>
-    </p:spTree>
-    <p:extLst>
-      <p:ext uri="{BB962C8B-B14F-4D97-AF65-F5344CB8AC3E}">
-        <p14:creationId xmlns:p14="http://schemas.microsoft.com/office/powerpoint/2010/main" val="4037026352"/>
-      </p:ext>
-    </p:extLst>
-  </p:cSld>
-  <p:clrMapOvr>
-    <a:masterClrMapping/>
-  </p:clrMapOvr>
-</p:sld>
-</file>
-
-<file path=ppt/slides/slide5.xml><?xml version="1.0" encoding="utf-8"?>
-<p:sld xmlns:a="http://schemas.openxmlformats.org/drawingml/2006/main" xmlns:r="http://schemas.openxmlformats.org/officeDocument/2006/relationships" xmlns:p="http://schemas.openxmlformats.org/presentationml/2006/main">
-  <p:cSld>
-    <p:spTree>
-      <p:nvGrpSpPr>
-        <p:cNvPr id="1" name=""/>
-        <p:cNvGrpSpPr/>
-        <p:nvPr/>
-      </p:nvGrpSpPr>
-      <p:grpSpPr>
-        <a:xfrm>
-          <a:off x="0" y="0"/>
-          <a:ext cx="0" cy="0"/>
-          <a:chOff x="0" y="0"/>
-          <a:chExt cx="0" cy="0"/>
-        </a:xfrm>
-      </p:grpSpPr>
-      <p:sp>
-        <p:nvSpPr>
-          <p:cNvPr id="2" name="Titel 1">
-            <a:extLst>
-              <a:ext uri="{FF2B5EF4-FFF2-40B4-BE49-F238E27FC236}">
                 <a16:creationId xmlns:a16="http://schemas.microsoft.com/office/drawing/2014/main" id="{6531E98C-2AA7-4294-A175-0DD413F86DA3}"/>
               </a:ext>
             </a:extLst>
@@ -6561,7 +6535,7 @@
           <a:p>
             <a:r>
               <a:rPr lang="nl-NL" dirty="0"/>
-              <a:t>How nu verder?</a:t>
+              <a:t>Hoe nu verder?</a:t>
             </a:r>
           </a:p>
         </p:txBody>
@@ -6587,7 +6561,10 @@
           <a:bodyPr/>
           <a:lstStyle/>
           <a:p>
-            <a:endParaRPr lang="nl-NL"/>
+            <a:r>
+              <a:rPr lang="nl-NL" dirty="0"/>
+              <a:t>Op dezelfde manier met betere communicatie</a:t>
+            </a:r>
           </a:p>
         </p:txBody>
       </p:sp>

--- a/reflectie.pptx
+++ b/reflectie.pptx
@@ -302,7 +302,7 @@
             <a:fld id="{5923F103-BC34-4FE4-A40E-EDDEECFDA5D0}" type="datetimeFigureOut">
               <a:rPr lang="en-US" smtClean="0"/>
               <a:pPr/>
-              <a:t>20-Mar-18</a:t>
+              <a:t>3/20/2018</a:t>
             </a:fld>
             <a:endParaRPr lang="en-US" dirty="0"/>
           </a:p>
@@ -583,7 +583,7 @@
           <a:p>
             <a:fld id="{2BE451C3-0FF4-47C4-B829-773ADF60F88C}" type="datetimeFigureOut">
               <a:rPr lang="en-US" smtClean="0"/>
-              <a:t>20-Mar-18</a:t>
+              <a:t>3/20/2018</a:t>
             </a:fld>
             <a:endParaRPr lang="en-US" dirty="0"/>
           </a:p>
@@ -784,7 +784,7 @@
           <a:p>
             <a:fld id="{2BE451C3-0FF4-47C4-B829-773ADF60F88C}" type="datetimeFigureOut">
               <a:rPr lang="en-US" smtClean="0"/>
-              <a:t>20-Mar-18</a:t>
+              <a:t>3/20/2018</a:t>
             </a:fld>
             <a:endParaRPr lang="en-US" dirty="0"/>
           </a:p>
@@ -1064,7 +1064,7 @@
           <a:p>
             <a:fld id="{2BE451C3-0FF4-47C4-B829-773ADF60F88C}" type="datetimeFigureOut">
               <a:rPr lang="en-US" smtClean="0"/>
-              <a:t>20-Mar-18</a:t>
+              <a:t>3/20/2018</a:t>
             </a:fld>
             <a:endParaRPr lang="en-US" dirty="0"/>
           </a:p>
@@ -1412,7 +1412,7 @@
           <a:p>
             <a:fld id="{2BE451C3-0FF4-47C4-B829-773ADF60F88C}" type="datetimeFigureOut">
               <a:rPr lang="en-US" smtClean="0"/>
-              <a:t>20-Mar-18</a:t>
+              <a:t>3/20/2018</a:t>
             </a:fld>
             <a:endParaRPr lang="en-US" dirty="0"/>
           </a:p>
@@ -2042,7 +2042,7 @@
           <a:p>
             <a:fld id="{2BE451C3-0FF4-47C4-B829-773ADF60F88C}" type="datetimeFigureOut">
               <a:rPr lang="en-US" smtClean="0"/>
-              <a:t>20-Mar-18</a:t>
+              <a:t>3/20/2018</a:t>
             </a:fld>
             <a:endParaRPr lang="en-US" dirty="0"/>
           </a:p>
@@ -2909,7 +2909,7 @@
           <a:p>
             <a:fld id="{2BE451C3-0FF4-47C4-B829-773ADF60F88C}" type="datetimeFigureOut">
               <a:rPr lang="en-US" smtClean="0"/>
-              <a:t>20-Mar-18</a:t>
+              <a:t>3/20/2018</a:t>
             </a:fld>
             <a:endParaRPr lang="en-US" dirty="0"/>
           </a:p>
@@ -3086,7 +3086,7 @@
           <a:p>
             <a:fld id="{53086D93-FCAC-47E0-A2EE-787E62CA814C}" type="datetimeFigureOut">
               <a:rPr lang="en-US" smtClean="0"/>
-              <a:t>20-Mar-18</a:t>
+              <a:t>3/20/2018</a:t>
             </a:fld>
             <a:endParaRPr lang="en-US" dirty="0"/>
           </a:p>
@@ -3272,7 +3272,7 @@
           <a:p>
             <a:fld id="{CDA879A6-0FD0-4734-A311-86BFCA472E6E}" type="datetimeFigureOut">
               <a:rPr lang="en-US" smtClean="0"/>
-              <a:t>20-Mar-18</a:t>
+              <a:t>3/20/2018</a:t>
             </a:fld>
             <a:endParaRPr lang="en-US" dirty="0"/>
           </a:p>
@@ -3448,7 +3448,7 @@
           <a:p>
             <a:fld id="{19C9CA7B-DFD4-44B5-8C60-D14B8CD1FB59}" type="datetimeFigureOut">
               <a:rPr lang="en-US" smtClean="0"/>
-              <a:t>20-Mar-18</a:t>
+              <a:t>3/20/2018</a:t>
             </a:fld>
             <a:endParaRPr lang="en-US" dirty="0"/>
           </a:p>
@@ -3701,7 +3701,7 @@
           <a:p>
             <a:fld id="{F34E6425-0181-43F2-84FC-787E803FD2F8}" type="datetimeFigureOut">
               <a:rPr lang="en-US" smtClean="0"/>
-              <a:t>20-Mar-18</a:t>
+              <a:t>3/20/2018</a:t>
             </a:fld>
             <a:endParaRPr lang="en-US" dirty="0"/>
           </a:p>
@@ -3999,7 +3999,7 @@
           <a:p>
             <a:fld id="{3BDB8791-F1B0-41E7-B7FD-A781E65C4266}" type="datetimeFigureOut">
               <a:rPr lang="en-US" smtClean="0"/>
-              <a:t>20-Mar-18</a:t>
+              <a:t>3/20/2018</a:t>
             </a:fld>
             <a:endParaRPr lang="en-US" dirty="0"/>
           </a:p>
@@ -4449,7 +4449,7 @@
           <a:p>
             <a:fld id="{5FDD63B2-E120-4ED8-B27B-C685F510A5FE}" type="datetimeFigureOut">
               <a:rPr lang="en-US" smtClean="0"/>
-              <a:t>20-Mar-18</a:t>
+              <a:t>3/20/2018</a:t>
             </a:fld>
             <a:endParaRPr lang="en-US" dirty="0"/>
           </a:p>
@@ -4573,7 +4573,7 @@
           <a:p>
             <a:fld id="{7AA18ACC-A947-437B-A130-35BD54FDF1E9}" type="datetimeFigureOut">
               <a:rPr lang="en-US" smtClean="0"/>
-              <a:t>20-Mar-18</a:t>
+              <a:t>3/20/2018</a:t>
             </a:fld>
             <a:endParaRPr lang="en-US" dirty="0"/>
           </a:p>
@@ -4674,7 +4674,7 @@
           <a:p>
             <a:fld id="{7C8D7E02-BCB8-4D50-A234-369438C08659}" type="datetimeFigureOut">
               <a:rPr lang="en-US" smtClean="0"/>
-              <a:t>20-Mar-18</a:t>
+              <a:t>3/20/2018</a:t>
             </a:fld>
             <a:endParaRPr lang="en-US" dirty="0"/>
           </a:p>
@@ -4959,7 +4959,7 @@
           <a:p>
             <a:fld id="{76E86A4C-8E40-4F87-A4F0-01A0687C5742}" type="datetimeFigureOut">
               <a:rPr lang="en-US" smtClean="0"/>
-              <a:t>20-Mar-18</a:t>
+              <a:t>3/20/2018</a:t>
             </a:fld>
             <a:endParaRPr lang="en-US" dirty="0"/>
           </a:p>
@@ -5240,7 +5240,7 @@
           <a:p>
             <a:fld id="{35E72C73-2D91-4E12-BA25-F0AA0C03599B}" type="datetimeFigureOut">
               <a:rPr lang="en-US" smtClean="0"/>
-              <a:t>20-Mar-18</a:t>
+              <a:t>3/20/2018</a:t>
             </a:fld>
             <a:endParaRPr lang="en-US" dirty="0"/>
           </a:p>
@@ -5675,7 +5675,7 @@
           <a:p>
             <a:fld id="{2BE451C3-0FF4-47C4-B829-773ADF60F88C}" type="datetimeFigureOut">
               <a:rPr lang="en-US" smtClean="0"/>
-              <a:t>20-Mar-18</a:t>
+              <a:t>3/20/2018</a:t>
             </a:fld>
             <a:endParaRPr lang="en-US" dirty="0"/>
           </a:p>
@@ -6259,7 +6259,15 @@
           <a:bodyPr/>
           <a:lstStyle/>
           <a:p>
-            <a:endParaRPr lang="nl-NL"/>
+            <a:r>
+              <a:rPr lang="nl-NL" dirty="0"/>
+              <a:t>Indiana </a:t>
+            </a:r>
+            <a:r>
+              <a:rPr lang="nl-NL" dirty="0" err="1"/>
+              <a:t>Bones</a:t>
+            </a:r>
+            <a:endParaRPr lang="nl-NL" dirty="0"/>
           </a:p>
         </p:txBody>
       </p:sp>

--- a/reflectie.pptx
+++ b/reflectie.pptx
@@ -6375,6 +6375,66 @@
           </a:p>
         </p:txBody>
       </p:sp>
+      <p:pic>
+        <p:nvPicPr>
+          <p:cNvPr id="5" name="Afbeelding 4">
+            <a:extLst>
+              <a:ext uri="{FF2B5EF4-FFF2-40B4-BE49-F238E27FC236}">
+                <a16:creationId xmlns:a16="http://schemas.microsoft.com/office/drawing/2014/main" id="{59B9456D-8B09-40C4-A7AB-32C03A54A8E1}"/>
+              </a:ext>
+            </a:extLst>
+          </p:cNvPr>
+          <p:cNvPicPr>
+            <a:picLocks noChangeAspect="1"/>
+          </p:cNvPicPr>
+          <p:nvPr/>
+        </p:nvPicPr>
+        <p:blipFill>
+          <a:blip r:embed="rId2"/>
+          <a:stretch>
+            <a:fillRect/>
+          </a:stretch>
+        </p:blipFill>
+        <p:spPr>
+          <a:xfrm>
+            <a:off x="250953" y="3941686"/>
+            <a:ext cx="9812415" cy="2750546"/>
+          </a:xfrm>
+          <a:prstGeom prst="rect">
+            <a:avLst/>
+          </a:prstGeom>
+        </p:spPr>
+      </p:pic>
+      <p:pic>
+        <p:nvPicPr>
+          <p:cNvPr id="7" name="Afbeelding 6">
+            <a:extLst>
+              <a:ext uri="{FF2B5EF4-FFF2-40B4-BE49-F238E27FC236}">
+                <a16:creationId xmlns:a16="http://schemas.microsoft.com/office/drawing/2014/main" id="{442DFC71-0743-42F2-91BB-DFCA240BA86D}"/>
+              </a:ext>
+            </a:extLst>
+          </p:cNvPr>
+          <p:cNvPicPr>
+            <a:picLocks noChangeAspect="1"/>
+          </p:cNvPicPr>
+          <p:nvPr/>
+        </p:nvPicPr>
+        <p:blipFill>
+          <a:blip r:embed="rId3"/>
+          <a:stretch>
+            <a:fillRect/>
+          </a:stretch>
+        </p:blipFill>
+        <p:spPr>
+          <a:xfrm>
+            <a:off x="6175899" y="1853248"/>
+            <a:ext cx="5850385" cy="1733331"/>
+          </a:xfrm>
+          <a:prstGeom prst="rect">
+            <a:avLst/>
+          </a:prstGeom>
+        </p:spPr>
+      </p:pic>
     </p:spTree>
     <p:extLst>
       <p:ext uri="{BB962C8B-B14F-4D97-AF65-F5344CB8AC3E}">
